--- a/marketing analytics-campaign performance/Group 5_Presentation.pptx
+++ b/marketing analytics-campaign performance/Group 5_Presentation.pptx
@@ -4343,396 +4343,6 @@
           </a:p>
         </p:txBody>
       </p:sp>
-      <p:graphicFrame>
-        <p:nvGraphicFramePr>
-          <p:cNvPr id="7" name="Table 7">
-            <a:extLst>
-              <a:ext uri="{FF2B5EF4-FFF2-40B4-BE49-F238E27FC236}">
-                <a16:creationId xmlns:a16="http://schemas.microsoft.com/office/drawing/2014/main" id="{30191034-186B-4429-9D4F-CC76CCF2DDC5}"/>
-              </a:ext>
-            </a:extLst>
-          </p:cNvPr>
-          <p:cNvGraphicFramePr>
-            <a:graphicFrameLocks noGrp="1"/>
-          </p:cNvGraphicFramePr>
-          <p:nvPr>
-            <p:extLst>
-              <p:ext uri="{D42A27DB-BD31-4B8C-83A1-F6EECF244321}">
-                <p14:modId xmlns:p14="http://schemas.microsoft.com/office/powerpoint/2010/main" val="2633262896"/>
-              </p:ext>
-            </p:extLst>
-          </p:nvPr>
-        </p:nvGraphicFramePr>
-        <p:xfrm>
-          <a:off x="5435289" y="3428785"/>
-          <a:ext cx="5465262" cy="2966720"/>
-        </p:xfrm>
-        <a:graphic>
-          <a:graphicData uri="http://schemas.openxmlformats.org/drawingml/2006/table">
-            <a:tbl>
-              <a:tblPr firstRow="1" bandRow="1">
-                <a:tableStyleId>{69012ECD-51FC-41F1-AA8D-1B2483CD663E}</a:tableStyleId>
-              </a:tblPr>
-              <a:tblGrid>
-                <a:gridCol w="2732631">
-                  <a:extLst>
-                    <a:ext uri="{9D8B030D-6E8A-4147-A177-3AD203B41FA5}">
-                      <a16:colId xmlns:a16="http://schemas.microsoft.com/office/drawing/2014/main" val="2797987667"/>
-                    </a:ext>
-                  </a:extLst>
-                </a:gridCol>
-                <a:gridCol w="2732631">
-                  <a:extLst>
-                    <a:ext uri="{9D8B030D-6E8A-4147-A177-3AD203B41FA5}">
-                      <a16:colId xmlns:a16="http://schemas.microsoft.com/office/drawing/2014/main" val="2679374979"/>
-                    </a:ext>
-                  </a:extLst>
-                </a:gridCol>
-              </a:tblGrid>
-              <a:tr h="370840">
-                <a:tc>
-                  <a:txBody>
-                    <a:bodyPr/>
-                    <a:lstStyle/>
-                    <a:p>
-                      <a:r>
-                        <a:rPr lang="en-IN" dirty="0"/>
-                        <a:t>Name</a:t>
-                      </a:r>
-                    </a:p>
-                  </a:txBody>
-                  <a:tcPr/>
-                </a:tc>
-                <a:tc>
-                  <a:txBody>
-                    <a:bodyPr/>
-                    <a:lstStyle/>
-                    <a:p>
-                      <a:r>
-                        <a:rPr lang="en-IN" dirty="0"/>
-                        <a:t>Roll No.</a:t>
-                      </a:r>
-                    </a:p>
-                  </a:txBody>
-                  <a:tcPr/>
-                </a:tc>
-                <a:extLst>
-                  <a:ext uri="{0D108BD9-81ED-4DB2-BD59-A6C34878D82A}">
-                    <a16:rowId xmlns:a16="http://schemas.microsoft.com/office/drawing/2014/main" val="4162799013"/>
-                  </a:ext>
-                </a:extLst>
-              </a:tr>
-              <a:tr h="370840">
-                <a:tc>
-                  <a:txBody>
-                    <a:bodyPr/>
-                    <a:lstStyle/>
-                    <a:p>
-                      <a:r>
-                        <a:rPr lang="en-IN" dirty="0"/>
-                        <a:t>Pradeep M S</a:t>
-                      </a:r>
-                    </a:p>
-                  </a:txBody>
-                  <a:tcPr/>
-                </a:tc>
-                <a:tc>
-                  <a:txBody>
-                    <a:bodyPr/>
-                    <a:lstStyle/>
-                    <a:p>
-                      <a:r>
-                        <a:rPr lang="en-IN" dirty="0"/>
-                        <a:t>2011031</a:t>
-                      </a:r>
-                    </a:p>
-                  </a:txBody>
-                  <a:tcPr/>
-                </a:tc>
-                <a:extLst>
-                  <a:ext uri="{0D108BD9-81ED-4DB2-BD59-A6C34878D82A}">
-                    <a16:rowId xmlns:a16="http://schemas.microsoft.com/office/drawing/2014/main" val="2991864519"/>
-                  </a:ext>
-                </a:extLst>
-              </a:tr>
-              <a:tr h="370840">
-                <a:tc>
-                  <a:txBody>
-                    <a:bodyPr/>
-                    <a:lstStyle/>
-                    <a:p>
-                      <a:r>
-                        <a:rPr lang="en-IN" dirty="0"/>
-                        <a:t>Bhuvaneshwaran S</a:t>
-                      </a:r>
-                    </a:p>
-                  </a:txBody>
-                  <a:tcPr/>
-                </a:tc>
-                <a:tc>
-                  <a:txBody>
-                    <a:bodyPr/>
-                    <a:lstStyle/>
-                    <a:p>
-                      <a:r>
-                        <a:rPr lang="en-IN" dirty="0"/>
-                        <a:t>2011057</a:t>
-                      </a:r>
-                    </a:p>
-                  </a:txBody>
-                  <a:tcPr/>
-                </a:tc>
-                <a:extLst>
-                  <a:ext uri="{0D108BD9-81ED-4DB2-BD59-A6C34878D82A}">
-                    <a16:rowId xmlns:a16="http://schemas.microsoft.com/office/drawing/2014/main" val="144743724"/>
-                  </a:ext>
-                </a:extLst>
-              </a:tr>
-              <a:tr h="370840">
-                <a:tc>
-                  <a:txBody>
-                    <a:bodyPr/>
-                    <a:lstStyle/>
-                    <a:p>
-                      <a:r>
-                        <a:rPr lang="en-IN" dirty="0" err="1"/>
-                        <a:t>Dharanie</a:t>
-                      </a:r>
-                      <a:r>
-                        <a:rPr lang="en-IN" dirty="0"/>
-                        <a:t> Shankar R</a:t>
-                      </a:r>
-                    </a:p>
-                  </a:txBody>
-                  <a:tcPr/>
-                </a:tc>
-                <a:tc>
-                  <a:txBody>
-                    <a:bodyPr/>
-                    <a:lstStyle/>
-                    <a:p>
-                      <a:r>
-                        <a:rPr lang="en-IN" dirty="0"/>
-                        <a:t>2011201</a:t>
-                      </a:r>
-                    </a:p>
-                  </a:txBody>
-                  <a:tcPr/>
-                </a:tc>
-                <a:extLst>
-                  <a:ext uri="{0D108BD9-81ED-4DB2-BD59-A6C34878D82A}">
-                    <a16:rowId xmlns:a16="http://schemas.microsoft.com/office/drawing/2014/main" val="302111256"/>
-                  </a:ext>
-                </a:extLst>
-              </a:tr>
-              <a:tr h="370840">
-                <a:tc>
-                  <a:txBody>
-                    <a:bodyPr/>
-                    <a:lstStyle/>
-                    <a:p>
-                      <a:r>
-                        <a:rPr lang="en-IN" dirty="0"/>
-                        <a:t>Rahul B </a:t>
-                      </a:r>
-                      <a:r>
-                        <a:rPr lang="en-IN" dirty="0" err="1"/>
-                        <a:t>Venu</a:t>
-                      </a:r>
-                      <a:endParaRPr lang="en-IN" dirty="0"/>
-                    </a:p>
-                  </a:txBody>
-                  <a:tcPr/>
-                </a:tc>
-                <a:tc>
-                  <a:txBody>
-                    <a:bodyPr/>
-                    <a:lstStyle/>
-                    <a:p>
-                      <a:r>
-                        <a:rPr lang="en-IN" dirty="0"/>
-                        <a:t>2011290</a:t>
-                      </a:r>
-                    </a:p>
-                  </a:txBody>
-                  <a:tcPr/>
-                </a:tc>
-                <a:extLst>
-                  <a:ext uri="{0D108BD9-81ED-4DB2-BD59-A6C34878D82A}">
-                    <a16:rowId xmlns:a16="http://schemas.microsoft.com/office/drawing/2014/main" val="3246985762"/>
-                  </a:ext>
-                </a:extLst>
-              </a:tr>
-              <a:tr h="370840">
-                <a:tc>
-                  <a:txBody>
-                    <a:bodyPr/>
-                    <a:lstStyle/>
-                    <a:p>
-                      <a:r>
-                        <a:rPr lang="en-IN" dirty="0"/>
-                        <a:t>Balaji CT</a:t>
-                      </a:r>
-                    </a:p>
-                  </a:txBody>
-                  <a:tcPr/>
-                </a:tc>
-                <a:tc>
-                  <a:txBody>
-                    <a:bodyPr/>
-                    <a:lstStyle/>
-                    <a:p>
-                      <a:r>
-                        <a:rPr lang="en-IN" dirty="0"/>
-                        <a:t>2011378</a:t>
-                      </a:r>
-                    </a:p>
-                  </a:txBody>
-                  <a:tcPr/>
-                </a:tc>
-                <a:extLst>
-                  <a:ext uri="{0D108BD9-81ED-4DB2-BD59-A6C34878D82A}">
-                    <a16:rowId xmlns:a16="http://schemas.microsoft.com/office/drawing/2014/main" val="2784227682"/>
-                  </a:ext>
-                </a:extLst>
-              </a:tr>
-              <a:tr h="370840">
-                <a:tc>
-                  <a:txBody>
-                    <a:bodyPr/>
-                    <a:lstStyle/>
-                    <a:p>
-                      <a:r>
-                        <a:rPr lang="en-IN" dirty="0"/>
-                        <a:t>R Naveen Raj</a:t>
-                      </a:r>
-                    </a:p>
-                  </a:txBody>
-                  <a:tcPr/>
-                </a:tc>
-                <a:tc>
-                  <a:txBody>
-                    <a:bodyPr/>
-                    <a:lstStyle/>
-                    <a:p>
-                      <a:r>
-                        <a:rPr lang="en-IN" dirty="0"/>
-                        <a:t>2011496</a:t>
-                      </a:r>
-                    </a:p>
-                  </a:txBody>
-                  <a:tcPr/>
-                </a:tc>
-                <a:extLst>
-                  <a:ext uri="{0D108BD9-81ED-4DB2-BD59-A6C34878D82A}">
-                    <a16:rowId xmlns:a16="http://schemas.microsoft.com/office/drawing/2014/main" val="1987050146"/>
-                  </a:ext>
-                </a:extLst>
-              </a:tr>
-              <a:tr h="370840">
-                <a:tc>
-                  <a:txBody>
-                    <a:bodyPr/>
-                    <a:lstStyle/>
-                    <a:p>
-                      <a:r>
-                        <a:rPr lang="en-IN" dirty="0" err="1"/>
-                        <a:t>Rahav</a:t>
-                      </a:r>
-                      <a:r>
-                        <a:rPr lang="en-IN" dirty="0"/>
-                        <a:t> Manoharan</a:t>
-                      </a:r>
-                    </a:p>
-                  </a:txBody>
-                  <a:tcPr/>
-                </a:tc>
-                <a:tc>
-                  <a:txBody>
-                    <a:bodyPr/>
-                    <a:lstStyle/>
-                    <a:p>
-                      <a:r>
-                        <a:rPr lang="en-IN" dirty="0"/>
-                        <a:t>2017026</a:t>
-                      </a:r>
-                    </a:p>
-                  </a:txBody>
-                  <a:tcPr/>
-                </a:tc>
-                <a:extLst>
-                  <a:ext uri="{0D108BD9-81ED-4DB2-BD59-A6C34878D82A}">
-                    <a16:rowId xmlns:a16="http://schemas.microsoft.com/office/drawing/2014/main" val="3280626700"/>
-                  </a:ext>
-                </a:extLst>
-              </a:tr>
-            </a:tbl>
-          </a:graphicData>
-        </a:graphic>
-      </p:graphicFrame>
-      <p:sp>
-        <p:nvSpPr>
-          <p:cNvPr id="27" name="Title 1">
-            <a:extLst>
-              <a:ext uri="{FF2B5EF4-FFF2-40B4-BE49-F238E27FC236}">
-                <a16:creationId xmlns:a16="http://schemas.microsoft.com/office/drawing/2014/main" id="{2BD2BDC6-406D-40AD-8CC6-3F41B22EFB4C}"/>
-              </a:ext>
-            </a:extLst>
-          </p:cNvPr>
-          <p:cNvSpPr txBox="1">
-            <a:spLocks/>
-          </p:cNvSpPr>
-          <p:nvPr/>
-        </p:nvSpPr>
-        <p:spPr>
-          <a:xfrm>
-            <a:off x="5435290" y="2501977"/>
-            <a:ext cx="5465262" cy="664636"/>
-          </a:xfrm>
-          <a:prstGeom prst="rect">
-            <a:avLst/>
-          </a:prstGeom>
-          <a:solidFill>
-            <a:schemeClr val="accent1">
-              <a:lumMod val="40000"/>
-              <a:lumOff val="60000"/>
-            </a:schemeClr>
-          </a:solidFill>
-        </p:spPr>
-        <p:txBody>
-          <a:bodyPr vert="horz" lIns="91440" tIns="45720" rIns="91440" bIns="45720" rtlCol="0" anchor="b">
-            <a:noAutofit/>
-          </a:bodyPr>
-          <a:lstStyle>
-            <a:lvl1pPr algn="ctr" defTabSz="914400" rtl="0" eaLnBrk="1" latinLnBrk="0" hangingPunct="1">
-              <a:lnSpc>
-                <a:spcPct val="90000"/>
-              </a:lnSpc>
-              <a:spcBef>
-                <a:spcPct val="0"/>
-              </a:spcBef>
-              <a:buNone/>
-              <a:defRPr sz="6000" kern="1200">
-                <a:solidFill>
-                  <a:schemeClr val="tx1"/>
-                </a:solidFill>
-                <a:latin typeface="+mj-lt"/>
-                <a:ea typeface="+mj-ea"/>
-                <a:cs typeface="+mj-cs"/>
-              </a:defRPr>
-            </a:lvl1pPr>
-          </a:lstStyle>
-          <a:p>
-            <a:pPr algn="l"/>
-            <a:r>
-              <a:rPr lang="en-US" sz="3600" dirty="0">
-                <a:latin typeface="Abadi" panose="020B0604020104020204" pitchFamily="34" charset="0"/>
-              </a:rPr>
-              <a:t>Group - 5</a:t>
-            </a:r>
-          </a:p>
-        </p:txBody>
-      </p:sp>
       <p:sp>
         <p:nvSpPr>
           <p:cNvPr id="8" name="Rectangle: Rounded Corners 7">
@@ -4747,8 +4357,8 @@
         </p:nvSpPr>
         <p:spPr>
           <a:xfrm>
-            <a:off x="4473809" y="460893"/>
-            <a:ext cx="7505445" cy="1288719"/>
+            <a:off x="4362579" y="2467231"/>
+            <a:ext cx="7505445" cy="2266668"/>
           </a:xfrm>
           <a:prstGeom prst="roundRect">
             <a:avLst/>
@@ -4777,7 +4387,7 @@
             <a:pPr algn="ctr"/>
             <a:r>
               <a:rPr lang="en-IN" sz="3600" dirty="0"/>
-              <a:t>Analysis of a general retail store</a:t>
+              <a:t>Analysis of a general retail store and performance against marketing campaigns</a:t>
             </a:r>
           </a:p>
         </p:txBody>
@@ -8217,21 +7827,6 @@
 </file>
 
 <file path=customXml/item1.xml><?xml version="1.0" encoding="utf-8"?>
-<p:properties xmlns:p="http://schemas.microsoft.com/office/2006/metadata/properties" xmlns:xsi="http://www.w3.org/2001/XMLSchema-instance" xmlns:pc="http://schemas.microsoft.com/office/infopath/2007/PartnerControls">
-  <documentManagement/>
-</p:properties>
-</file>
-
-<file path=customXml/item2.xml><?xml version="1.0" encoding="utf-8"?>
-<?mso-contentType ?>
-<FormTemplates xmlns="http://schemas.microsoft.com/sharepoint/v3/contenttype/forms">
-  <Display>DocumentLibraryForm</Display>
-  <Edit>DocumentLibraryForm</Edit>
-  <New>DocumentLibraryForm</New>
-</FormTemplates>
-</file>
-
-<file path=customXml/item3.xml><?xml version="1.0" encoding="utf-8"?>
 <ct:contentTypeSchema xmlns:ct="http://schemas.microsoft.com/office/2006/metadata/contentType" xmlns:ma="http://schemas.microsoft.com/office/2006/metadata/properties/metaAttributes" ct:_="" ma:_="" ma:contentTypeName="Document" ma:contentTypeID="0x010100FFC472329F577A48A4DD40F06B3749AE" ma:contentTypeVersion="7" ma:contentTypeDescription="Create a new document." ma:contentTypeScope="" ma:versionID="be654bbcc706cbef5acd66a48a10b144">
   <xsd:schema xmlns:xsd="http://www.w3.org/2001/XMLSchema" xmlns:xs="http://www.w3.org/2001/XMLSchema" xmlns:p="http://schemas.microsoft.com/office/2006/metadata/properties" xmlns:ns3="cb7cea6d-d792-4381-b848-d5e4337e8136" xmlns:ns4="44f32c3c-548c-483a-b3f4-4e364c6b43fe" targetNamespace="http://schemas.microsoft.com/office/2006/metadata/properties" ma:root="true" ma:fieldsID="a7276d17c8805a446853a4511333b2d1" ns3:_="" ns4:_="">
     <xsd:import namespace="cb7cea6d-d792-4381-b848-d5e4337e8136"/>
@@ -8416,32 +8011,22 @@
 </ct:contentTypeSchema>
 </file>
 
-<file path=customXml/itemProps1.xml><?xml version="1.0" encoding="utf-8"?>
-<ds:datastoreItem xmlns:ds="http://schemas.openxmlformats.org/officeDocument/2006/customXml" ds:itemID="{7AE85015-8C1C-48B3-B5DB-B82509A12FF6}">
-  <ds:schemaRefs>
-    <ds:schemaRef ds:uri="http://schemas.microsoft.com/office/2006/documentManagement/types"/>
-    <ds:schemaRef ds:uri="http://www.w3.org/XML/1998/namespace"/>
-    <ds:schemaRef ds:uri="http://purl.org/dc/terms/"/>
-    <ds:schemaRef ds:uri="44f32c3c-548c-483a-b3f4-4e364c6b43fe"/>
-    <ds:schemaRef ds:uri="http://purl.org/dc/elements/1.1/"/>
-    <ds:schemaRef ds:uri="http://schemas.microsoft.com/office/2006/metadata/properties"/>
-    <ds:schemaRef ds:uri="http://schemas.microsoft.com/office/infopath/2007/PartnerControls"/>
-    <ds:schemaRef ds:uri="http://schemas.openxmlformats.org/package/2006/metadata/core-properties"/>
-    <ds:schemaRef ds:uri="cb7cea6d-d792-4381-b848-d5e4337e8136"/>
-    <ds:schemaRef ds:uri="http://purl.org/dc/dcmitype/"/>
-  </ds:schemaRefs>
-</ds:datastoreItem>
+<file path=customXml/item2.xml><?xml version="1.0" encoding="utf-8"?>
+<?mso-contentType ?>
+<FormTemplates xmlns="http://schemas.microsoft.com/sharepoint/v3/contenttype/forms">
+  <Display>DocumentLibraryForm</Display>
+  <Edit>DocumentLibraryForm</Edit>
+  <New>DocumentLibraryForm</New>
+</FormTemplates>
 </file>
 
-<file path=customXml/itemProps2.xml><?xml version="1.0" encoding="utf-8"?>
-<ds:datastoreItem xmlns:ds="http://schemas.openxmlformats.org/officeDocument/2006/customXml" ds:itemID="{281A1344-7719-42B7-9E64-9AB814556AA6}">
-  <ds:schemaRefs>
-    <ds:schemaRef ds:uri="http://schemas.microsoft.com/sharepoint/v3/contenttype/forms"/>
-  </ds:schemaRefs>
-</ds:datastoreItem>
+<file path=customXml/item3.xml><?xml version="1.0" encoding="utf-8"?>
+<p:properties xmlns:p="http://schemas.microsoft.com/office/2006/metadata/properties" xmlns:xsi="http://www.w3.org/2001/XMLSchema-instance" xmlns:pc="http://schemas.microsoft.com/office/infopath/2007/PartnerControls">
+  <documentManagement/>
+</p:properties>
 </file>
 
-<file path=customXml/itemProps3.xml><?xml version="1.0" encoding="utf-8"?>
+<file path=customXml/itemProps1.xml><?xml version="1.0" encoding="utf-8"?>
 <ds:datastoreItem xmlns:ds="http://schemas.openxmlformats.org/officeDocument/2006/customXml" ds:itemID="{7C91A6FE-60D3-4B9C-B925-DEBE1FEFDAA9}">
   <ds:schemaRefs>
     <ds:schemaRef ds:uri="http://schemas.microsoft.com/office/2006/metadata/contentType"/>
@@ -8458,4 +8043,29 @@
     <ds:schemaRef ds:uri="http://schemas.microsoft.com/internal/obd"/>
   </ds:schemaRefs>
 </ds:datastoreItem>
+</file>
+
+<file path=customXml/itemProps2.xml><?xml version="1.0" encoding="utf-8"?>
+<ds:datastoreItem xmlns:ds="http://schemas.openxmlformats.org/officeDocument/2006/customXml" ds:itemID="{281A1344-7719-42B7-9E64-9AB814556AA6}">
+  <ds:schemaRefs>
+    <ds:schemaRef ds:uri="http://schemas.microsoft.com/sharepoint/v3/contenttype/forms"/>
+  </ds:schemaRefs>
+</ds:datastoreItem>
+</file>
+
+<file path=customXml/itemProps3.xml><?xml version="1.0" encoding="utf-8"?>
+<ds:datastoreItem xmlns:ds="http://schemas.openxmlformats.org/officeDocument/2006/customXml" ds:itemID="{7AE85015-8C1C-48B3-B5DB-B82509A12FF6}">
+  <ds:schemaRefs>
+    <ds:schemaRef ds:uri="http://schemas.microsoft.com/office/2006/documentManagement/types"/>
+    <ds:schemaRef ds:uri="http://www.w3.org/XML/1998/namespace"/>
+    <ds:schemaRef ds:uri="http://purl.org/dc/terms/"/>
+    <ds:schemaRef ds:uri="44f32c3c-548c-483a-b3f4-4e364c6b43fe"/>
+    <ds:schemaRef ds:uri="http://purl.org/dc/elements/1.1/"/>
+    <ds:schemaRef ds:uri="http://schemas.microsoft.com/office/2006/metadata/properties"/>
+    <ds:schemaRef ds:uri="http://schemas.microsoft.com/office/infopath/2007/PartnerControls"/>
+    <ds:schemaRef ds:uri="http://schemas.openxmlformats.org/package/2006/metadata/core-properties"/>
+    <ds:schemaRef ds:uri="cb7cea6d-d792-4381-b848-d5e4337e8136"/>
+    <ds:schemaRef ds:uri="http://purl.org/dc/dcmitype/"/>
+  </ds:schemaRefs>
+</ds:datastoreItem>
 </file>